--- a/06-Topic PRE/An SSA-based Algorithm for Optimal Speculative Code Motion.pptx
+++ b/06-Topic PRE/An SSA-based Algorithm for Optimal Speculative Code Motion.pptx
@@ -5,7 +5,7 @@
     <p:sldMasterId id="2147483660" r:id="rId1"/>
   </p:sldMasterIdLst>
   <p:notesMasterIdLst>
-    <p:notesMasterId r:id="rId27"/>
+    <p:notesMasterId r:id="rId28"/>
   </p:notesMasterIdLst>
   <p:sldIdLst>
     <p:sldId id="256" r:id="rId2"/>
@@ -33,6 +33,7 @@
     <p:sldId id="279" r:id="rId24"/>
     <p:sldId id="280" r:id="rId25"/>
     <p:sldId id="281" r:id="rId26"/>
+    <p:sldId id="282" r:id="rId27"/>
   </p:sldIdLst>
   <p:sldSz cx="12192000" cy="6858000"/>
   <p:notesSz cx="6858000" cy="9144000"/>
@@ -131,6 +132,11 @@
       </a:defRPr>
     </a:lvl9pPr>
   </p:defaultTextStyle>
+  <p:extLst>
+    <p:ext uri="{EFAFB233-063F-42B5-8137-9DF3F51BA10A}">
+      <p15:sldGuideLst xmlns:p15="http://schemas.microsoft.com/office/powerpoint/2012/main"/>
+    </p:ext>
+  </p:extLst>
 </p:presentation>
 </file>
 
@@ -1277,6 +1283,13 @@
         </dgm:presLayoutVars>
       </dgm:prSet>
       <dgm:spPr/>
+      <dgm:t>
+        <a:bodyPr/>
+        <a:lstStyle/>
+        <a:p>
+          <a:endParaRPr lang="zh-CN" altLang="en-US"/>
+        </a:p>
+      </dgm:t>
     </dgm:pt>
     <dgm:pt modelId="{3B4D20E3-3D7E-4B41-B487-F64BDD86EE38}" type="pres">
       <dgm:prSet presAssocID="{32CC7828-3260-4D4A-8DFE-D17F6308235C}" presName="childText" presStyleLbl="revTx" presStyleIdx="0" presStyleCnt="3">
@@ -1285,6 +1298,13 @@
         </dgm:presLayoutVars>
       </dgm:prSet>
       <dgm:spPr/>
+      <dgm:t>
+        <a:bodyPr/>
+        <a:lstStyle/>
+        <a:p>
+          <a:endParaRPr lang="zh-CN" altLang="en-US"/>
+        </a:p>
+      </dgm:t>
     </dgm:pt>
     <dgm:pt modelId="{4B42761A-1360-4594-AC03-22DA80C6748A}" type="pres">
       <dgm:prSet presAssocID="{D7247C98-3793-4BDB-B035-1B2F0115AA7C}" presName="parentText" presStyleLbl="node1" presStyleIdx="1" presStyleCnt="3">
@@ -1294,6 +1314,13 @@
         </dgm:presLayoutVars>
       </dgm:prSet>
       <dgm:spPr/>
+      <dgm:t>
+        <a:bodyPr/>
+        <a:lstStyle/>
+        <a:p>
+          <a:endParaRPr lang="zh-CN" altLang="en-US"/>
+        </a:p>
+      </dgm:t>
     </dgm:pt>
     <dgm:pt modelId="{842668F9-DF2F-4547-971F-54FB94CB07B1}" type="pres">
       <dgm:prSet presAssocID="{D7247C98-3793-4BDB-B035-1B2F0115AA7C}" presName="childText" presStyleLbl="revTx" presStyleIdx="1" presStyleCnt="3">
@@ -1333,30 +1360,37 @@
         </dgm:presLayoutVars>
       </dgm:prSet>
       <dgm:spPr/>
+      <dgm:t>
+        <a:bodyPr/>
+        <a:lstStyle/>
+        <a:p>
+          <a:endParaRPr lang="zh-CN" altLang="en-US"/>
+        </a:p>
+      </dgm:t>
     </dgm:pt>
   </dgm:ptLst>
   <dgm:cxnLst>
-    <dgm:cxn modelId="{660DC416-34B6-4F1A-B288-2B5201C66553}" type="presOf" srcId="{69AB7207-D5EC-4EFD-AD21-77F2C077144C}" destId="{3B4D20E3-3D7E-4B41-B487-F64BDD86EE38}" srcOrd="0" destOrd="0" presId="urn:microsoft.com/office/officeart/2005/8/layout/vList2"/>
-    <dgm:cxn modelId="{67096858-5751-4FE4-9529-FF0CF5D55848}" type="presOf" srcId="{3A94937C-F4C4-449B-B80D-9CC266DF9256}" destId="{842668F9-DF2F-4547-971F-54FB94CB07B1}" srcOrd="0" destOrd="1" presId="urn:microsoft.com/office/officeart/2005/8/layout/vList2"/>
+    <dgm:cxn modelId="{75E0F7C1-2063-4A44-877D-921676C687B1}" srcId="{D7247C98-3793-4BDB-B035-1B2F0115AA7C}" destId="{3A94937C-F4C4-449B-B80D-9CC266DF9256}" srcOrd="1" destOrd="0" parTransId="{599F8182-1BD3-410B-ACAF-1E6DD77B183E}" sibTransId="{6A49D012-C090-42A7-8461-4C053FC455F5}"/>
+    <dgm:cxn modelId="{C58D47AA-5811-4C70-A256-0358C805A6D5}" type="presOf" srcId="{C637CCD3-B999-4E1A-AE4D-DA0F29E395E6}" destId="{842668F9-DF2F-4547-971F-54FB94CB07B1}" srcOrd="0" destOrd="0" presId="urn:microsoft.com/office/officeart/2005/8/layout/vList2"/>
+    <dgm:cxn modelId="{41356D90-7BDC-436C-ACF3-D510924A7F9E}" type="presOf" srcId="{A60F6B8E-983F-4686-B866-80EEE8EE3EEC}" destId="{3B4D20E3-3D7E-4B41-B487-F64BDD86EE38}" srcOrd="0" destOrd="2" presId="urn:microsoft.com/office/officeart/2005/8/layout/vList2"/>
     <dgm:cxn modelId="{046F5847-F9B7-417F-8CBE-F2598E0CEFB7}" srcId="{32CC7828-3260-4D4A-8DFE-D17F6308235C}" destId="{A60F6B8E-983F-4686-B866-80EEE8EE3EEC}" srcOrd="2" destOrd="0" parTransId="{38685A9F-0F71-4060-82D1-F79DA1333B7E}" sibTransId="{E610DC53-4D0D-4E18-B0C2-F73EDBAF06A5}"/>
-    <dgm:cxn modelId="{FCD55826-EB20-4644-84C7-D3E2A1ACF6D5}" srcId="{D7247C98-3793-4BDB-B035-1B2F0115AA7C}" destId="{C637CCD3-B999-4E1A-AE4D-DA0F29E395E6}" srcOrd="0" destOrd="0" parTransId="{5B39157B-3E78-4AAA-8D40-1089575FF7C8}" sibTransId="{A5B749CC-88E0-48BF-8934-9C8C50900163}"/>
-    <dgm:cxn modelId="{AC830A81-9A84-4DFF-86B9-27ECB8EA20FD}" type="presOf" srcId="{32CC7828-3260-4D4A-8DFE-D17F6308235C}" destId="{EA05A9D5-C261-4A28-96E5-3924215BB468}" srcOrd="0" destOrd="0" presId="urn:microsoft.com/office/officeart/2005/8/layout/vList2"/>
-    <dgm:cxn modelId="{9FB22263-CCE6-42E5-B720-D6DF5D933BB0}" srcId="{6F0E45F4-C5F2-4D51-ABA3-19B9C199F42F}" destId="{D7247C98-3793-4BDB-B035-1B2F0115AA7C}" srcOrd="1" destOrd="0" parTransId="{AC130E7A-991A-400A-BED2-172E3DBEADC4}" sibTransId="{8EF2BBF5-CD2F-496C-8ED9-CCC85EFB1A34}"/>
-    <dgm:cxn modelId="{41356D90-7BDC-436C-ACF3-D510924A7F9E}" type="presOf" srcId="{A60F6B8E-983F-4686-B866-80EEE8EE3EEC}" destId="{3B4D20E3-3D7E-4B41-B487-F64BDD86EE38}" srcOrd="0" destOrd="2" presId="urn:microsoft.com/office/officeart/2005/8/layout/vList2"/>
-    <dgm:cxn modelId="{03640760-6060-46AB-9E1F-33ACDD04FFCF}" srcId="{DA37A518-35AE-4DD4-8784-A32BBF14FAA6}" destId="{B53DF406-F911-4F32-A160-C016C00DBF70}" srcOrd="0" destOrd="0" parTransId="{ECEB58FD-F9BA-4EA6-B740-6E076AE804DC}" sibTransId="{B9222C0A-118C-47CC-99A3-F450DAF7F646}"/>
-    <dgm:cxn modelId="{AE83279C-4304-49B5-ADF4-641CBAB3D879}" srcId="{6F0E45F4-C5F2-4D51-ABA3-19B9C199F42F}" destId="{DA37A518-35AE-4DD4-8784-A32BBF14FAA6}" srcOrd="2" destOrd="0" parTransId="{7868C1D2-9861-4240-953E-D7FB88AD70E0}" sibTransId="{3E04A708-60B4-4E7C-B50C-E759C7DF8555}"/>
-    <dgm:cxn modelId="{C630B3C7-CD89-4EEA-B9B2-ABF12A2B7044}" type="presOf" srcId="{6F0E45F4-C5F2-4D51-ABA3-19B9C199F42F}" destId="{520F15EC-3F3C-414D-BC39-A1771D44F669}" srcOrd="0" destOrd="0" presId="urn:microsoft.com/office/officeart/2005/8/layout/vList2"/>
     <dgm:cxn modelId="{5A3E8087-058A-45DD-9BE4-82A9BEE9E478}" srcId="{DA37A518-35AE-4DD4-8784-A32BBF14FAA6}" destId="{B4754A83-B148-41B3-8A35-C44095DA8D32}" srcOrd="1" destOrd="0" parTransId="{851BF7C0-8E8D-40A1-9884-536D84C7E402}" sibTransId="{E79C6214-5C07-4F88-9FF7-988A93ED5014}"/>
-    <dgm:cxn modelId="{3B95D5F5-C37E-4A7D-95D1-E45DE69BAAA2}" type="presOf" srcId="{B53DF406-F911-4F32-A160-C016C00DBF70}" destId="{A8B4CEC8-6856-424B-B68F-D997CDE5CC27}" srcOrd="0" destOrd="0" presId="urn:microsoft.com/office/officeart/2005/8/layout/vList2"/>
+    <dgm:cxn modelId="{C91001B4-D10E-40BD-B057-22D1105345FD}" type="presOf" srcId="{DA37A518-35AE-4DD4-8784-A32BBF14FAA6}" destId="{B7D9EC89-0D97-437C-918F-97EF8609D051}" srcOrd="0" destOrd="0" presId="urn:microsoft.com/office/officeart/2005/8/layout/vList2"/>
+    <dgm:cxn modelId="{854DA0BC-F6A8-4145-859A-F07D553CF006}" type="presOf" srcId="{B4754A83-B148-41B3-8A35-C44095DA8D32}" destId="{A8B4CEC8-6856-424B-B68F-D997CDE5CC27}" srcOrd="0" destOrd="1" presId="urn:microsoft.com/office/officeart/2005/8/layout/vList2"/>
+    <dgm:cxn modelId="{F855CC2E-2B84-492F-904C-2841AF1285B2}" type="presOf" srcId="{740F3C00-2408-43EC-BDCD-4C2E9394F784}" destId="{3B4D20E3-3D7E-4B41-B487-F64BDD86EE38}" srcOrd="0" destOrd="1" presId="urn:microsoft.com/office/officeart/2005/8/layout/vList2"/>
     <dgm:cxn modelId="{63D59221-DFBF-4D19-8964-70DFD7C1747A}" srcId="{32CC7828-3260-4D4A-8DFE-D17F6308235C}" destId="{69AB7207-D5EC-4EFD-AD21-77F2C077144C}" srcOrd="0" destOrd="0" parTransId="{2FB49582-02F9-4543-A6D0-CBBAD8F0404E}" sibTransId="{FDBA1880-09FA-492B-8ACB-8BC2C79EF31F}"/>
     <dgm:cxn modelId="{C4CAA7AC-2B27-4B5D-9049-4E0C7524701A}" srcId="{32CC7828-3260-4D4A-8DFE-D17F6308235C}" destId="{740F3C00-2408-43EC-BDCD-4C2E9394F784}" srcOrd="1" destOrd="0" parTransId="{9E11591E-AD67-4D88-BE6F-BE4012EEA853}" sibTransId="{4EA242A6-0D48-4978-B779-B457EFFED1AC}"/>
-    <dgm:cxn modelId="{854DA0BC-F6A8-4145-859A-F07D553CF006}" type="presOf" srcId="{B4754A83-B148-41B3-8A35-C44095DA8D32}" destId="{A8B4CEC8-6856-424B-B68F-D997CDE5CC27}" srcOrd="0" destOrd="1" presId="urn:microsoft.com/office/officeart/2005/8/layout/vList2"/>
     <dgm:cxn modelId="{C46FD822-F573-4FD7-BF4A-4CCE18B9218A}" srcId="{6F0E45F4-C5F2-4D51-ABA3-19B9C199F42F}" destId="{32CC7828-3260-4D4A-8DFE-D17F6308235C}" srcOrd="0" destOrd="0" parTransId="{6D03FE6E-9675-414D-90B8-CF43D69AA639}" sibTransId="{5A893EE8-5357-4E5C-A06B-F48EBEF0F1FC}"/>
-    <dgm:cxn modelId="{75E0F7C1-2063-4A44-877D-921676C687B1}" srcId="{D7247C98-3793-4BDB-B035-1B2F0115AA7C}" destId="{3A94937C-F4C4-449B-B80D-9CC266DF9256}" srcOrd="1" destOrd="0" parTransId="{599F8182-1BD3-410B-ACAF-1E6DD77B183E}" sibTransId="{6A49D012-C090-42A7-8461-4C053FC455F5}"/>
+    <dgm:cxn modelId="{660DC416-34B6-4F1A-B288-2B5201C66553}" type="presOf" srcId="{69AB7207-D5EC-4EFD-AD21-77F2C077144C}" destId="{3B4D20E3-3D7E-4B41-B487-F64BDD86EE38}" srcOrd="0" destOrd="0" presId="urn:microsoft.com/office/officeart/2005/8/layout/vList2"/>
+    <dgm:cxn modelId="{AE83279C-4304-49B5-ADF4-641CBAB3D879}" srcId="{6F0E45F4-C5F2-4D51-ABA3-19B9C199F42F}" destId="{DA37A518-35AE-4DD4-8784-A32BBF14FAA6}" srcOrd="2" destOrd="0" parTransId="{7868C1D2-9861-4240-953E-D7FB88AD70E0}" sibTransId="{3E04A708-60B4-4E7C-B50C-E759C7DF8555}"/>
+    <dgm:cxn modelId="{03640760-6060-46AB-9E1F-33ACDD04FFCF}" srcId="{DA37A518-35AE-4DD4-8784-A32BBF14FAA6}" destId="{B53DF406-F911-4F32-A160-C016C00DBF70}" srcOrd="0" destOrd="0" parTransId="{ECEB58FD-F9BA-4EA6-B740-6E076AE804DC}" sibTransId="{B9222C0A-118C-47CC-99A3-F450DAF7F646}"/>
+    <dgm:cxn modelId="{3B95D5F5-C37E-4A7D-95D1-E45DE69BAAA2}" type="presOf" srcId="{B53DF406-F911-4F32-A160-C016C00DBF70}" destId="{A8B4CEC8-6856-424B-B68F-D997CDE5CC27}" srcOrd="0" destOrd="0" presId="urn:microsoft.com/office/officeart/2005/8/layout/vList2"/>
+    <dgm:cxn modelId="{9FB22263-CCE6-42E5-B720-D6DF5D933BB0}" srcId="{6F0E45F4-C5F2-4D51-ABA3-19B9C199F42F}" destId="{D7247C98-3793-4BDB-B035-1B2F0115AA7C}" srcOrd="1" destOrd="0" parTransId="{AC130E7A-991A-400A-BED2-172E3DBEADC4}" sibTransId="{8EF2BBF5-CD2F-496C-8ED9-CCC85EFB1A34}"/>
+    <dgm:cxn modelId="{AC830A81-9A84-4DFF-86B9-27ECB8EA20FD}" type="presOf" srcId="{32CC7828-3260-4D4A-8DFE-D17F6308235C}" destId="{EA05A9D5-C261-4A28-96E5-3924215BB468}" srcOrd="0" destOrd="0" presId="urn:microsoft.com/office/officeart/2005/8/layout/vList2"/>
+    <dgm:cxn modelId="{FCD55826-EB20-4644-84C7-D3E2A1ACF6D5}" srcId="{D7247C98-3793-4BDB-B035-1B2F0115AA7C}" destId="{C637CCD3-B999-4E1A-AE4D-DA0F29E395E6}" srcOrd="0" destOrd="0" parTransId="{5B39157B-3E78-4AAA-8D40-1089575FF7C8}" sibTransId="{A5B749CC-88E0-48BF-8934-9C8C50900163}"/>
     <dgm:cxn modelId="{3112FDAC-EA2F-4A10-B02A-64817E88F938}" type="presOf" srcId="{D7247C98-3793-4BDB-B035-1B2F0115AA7C}" destId="{4B42761A-1360-4594-AC03-22DA80C6748A}" srcOrd="0" destOrd="0" presId="urn:microsoft.com/office/officeart/2005/8/layout/vList2"/>
-    <dgm:cxn modelId="{F855CC2E-2B84-492F-904C-2841AF1285B2}" type="presOf" srcId="{740F3C00-2408-43EC-BDCD-4C2E9394F784}" destId="{3B4D20E3-3D7E-4B41-B487-F64BDD86EE38}" srcOrd="0" destOrd="1" presId="urn:microsoft.com/office/officeart/2005/8/layout/vList2"/>
-    <dgm:cxn modelId="{C58D47AA-5811-4C70-A256-0358C805A6D5}" type="presOf" srcId="{C637CCD3-B999-4E1A-AE4D-DA0F29E395E6}" destId="{842668F9-DF2F-4547-971F-54FB94CB07B1}" srcOrd="0" destOrd="0" presId="urn:microsoft.com/office/officeart/2005/8/layout/vList2"/>
-    <dgm:cxn modelId="{C91001B4-D10E-40BD-B057-22D1105345FD}" type="presOf" srcId="{DA37A518-35AE-4DD4-8784-A32BBF14FAA6}" destId="{B7D9EC89-0D97-437C-918F-97EF8609D051}" srcOrd="0" destOrd="0" presId="urn:microsoft.com/office/officeart/2005/8/layout/vList2"/>
+    <dgm:cxn modelId="{67096858-5751-4FE4-9529-FF0CF5D55848}" type="presOf" srcId="{3A94937C-F4C4-449B-B80D-9CC266DF9256}" destId="{842668F9-DF2F-4547-971F-54FB94CB07B1}" srcOrd="0" destOrd="1" presId="urn:microsoft.com/office/officeart/2005/8/layout/vList2"/>
+    <dgm:cxn modelId="{C630B3C7-CD89-4EEA-B9B2-ABF12A2B7044}" type="presOf" srcId="{6F0E45F4-C5F2-4D51-ABA3-19B9C199F42F}" destId="{520F15EC-3F3C-414D-BC39-A1771D44F669}" srcOrd="0" destOrd="0" presId="urn:microsoft.com/office/officeart/2005/8/layout/vList2"/>
     <dgm:cxn modelId="{631F8F98-F619-4D29-A70A-C3E176FF6D50}" type="presParOf" srcId="{520F15EC-3F3C-414D-BC39-A1771D44F669}" destId="{EA05A9D5-C261-4A28-96E5-3924215BB468}" srcOrd="0" destOrd="0" presId="urn:microsoft.com/office/officeart/2005/8/layout/vList2"/>
     <dgm:cxn modelId="{CD0F4352-4EEF-4CA1-A9BE-8C552D3DF925}" type="presParOf" srcId="{520F15EC-3F3C-414D-BC39-A1771D44F669}" destId="{3B4D20E3-3D7E-4B41-B487-F64BDD86EE38}" srcOrd="1" destOrd="0" presId="urn:microsoft.com/office/officeart/2005/8/layout/vList2"/>
     <dgm:cxn modelId="{EC9BB417-5563-4C21-B713-D1BDCF3C87E2}" type="presParOf" srcId="{520F15EC-3F3C-414D-BC39-A1771D44F669}" destId="{4B42761A-1360-4594-AC03-22DA80C6748A}" srcOrd="2" destOrd="0" presId="urn:microsoft.com/office/officeart/2005/8/layout/vList2"/>
@@ -3175,7 +3209,7 @@
           <inkml:trace contextRef="#ctx0" brushRef="#br0">-1871-3349 147 0,'-7'4'192'0,"1"0"-44"15,0 0-16-15,0-2 45 0,0 0-62 16,0 0 84-16,2 0-89 0,2-2-13 15,2 0-9-15,2 0-7 0,2-2-5 0,2 0-4 16,10 0-6-16,15-2-13 0,63-17-10 16,-62 13-9-16,1 0-9 0,-1 2-8 15,-3 2-5-15,2 2-5 0,-3 0-1 16,-1 0-2-16,-5 2 1 0,-2-2-2 16,-3 4 0-16,-3-2-33 0,-4-2-25 15,-2 4-29-15,-6 0-46 0,-4 0-127 16,0-2-17-16,0 2-14 0,-2 0-132 15</inkml:trace>
           <inkml:trace contextRef="#ctx0" brushRef="#br0" timeOffset="482.7132">-2124-3323 404 0,'-19'23'146'16,"1"-3"0"-16,-2 11 24 0,3 7-75 0,7 11 0 15,-2 7 0-15,6 5-21 16,-4 4-15-16,1 9-9 0,-1 1-7 0,-2 1-7 16,0-3-5-16,-5-6-6 0,3 5-4 15,0 3-6-15,-2 5-5 0,1-4-3 16,1-7-1-16,4-4-1 0,-2-5-3 16,3-12-22-16,3-11-22 0,2-12-126 15,4-11-51-15,0-10 36 0,6-6-188 16</inkml:trace>
           <inkml:trace contextRef="#ctx0" brushRef="#br0" timeOffset="204.452">-2243-2825 573 0,'-4'8'212'0,"0"-2"-135"16,2-1 84-16,2-5-111 0,2 0-8 15,2 0-15-15,5 0-17 0,27 2 21 0,72 4-2 16,-51-6-6-16,5-8-4 16,-1 3-4-16,-2 1-3 0,-6-2 0 0,-6 0-2 15,-4 0-3-15,-9-4-2 0,-5 4-116 16,-5-4-75-16,-5 3 67 0,-1 1-164 16</inkml:trace>
-          <inkml:trace contextRef="#ctx0" brushRef="#br0" timeOffset="1161.9533">-1682-2651 159 0,'8'79'164'0,"-24"-56"-87"0,2-3 23 16,3-1-1-16,1 3-55 0,2 7-8 15,-2 1-7-15,2 1 16 0,0 6-2 16,4 1-3-16,-1 3 0 0,3 4 1 0,2-8-1 15,5 0-1-15,-1-5-3 0,4-5-11 16,-4-7-4-16,6-3-5 0,0-11-1 16,4 2-3-16,1-8-2 0,3-6-3 15,0-2 0-15,7-11-1 0,-5-5 1 16,5-1-2-16,1-16-1 0,1-2-1 16,-3-6 0-16,1 0-1 0,-5 7-1 15,5-1 1-15,-3-2-1 0,-2 12 1 0,-3 3 0 16,1 1-1-16,-4 7 1 0,3 1 0 15,-5 1 1-15,-2 5-1 0,-4 3 1 16,-2 2 1-16,0 4 2 0,-2 4 1 16,-4 0 0-16,0 2 1 0,0 0 0 15,0 2-1-15,0 2 1 0,-2 2-2 16,0 0 0-16,-6 13 1 0,-29 64-1 16,27-54 0-16,0-3-1 0,-1 7-1 15,3 2-1-15,2 3-1 0,2-3-1 0,2 2-1 16,2 2 0-16,4-9 0 0,2-1 0 15,4-5-1-15,2-9-2 0,7-1-47 16,3-12-131-16,8-4-4 0,1-12 17 16,8-11-213-16</inkml:trace>
+          <inkml:trace contextRef="#ctx0" brushRef="#br0" timeOffset="1161.9532">-1682-2651 159 0,'8'79'164'0,"-24"-56"-87"0,2-3 23 16,3-1-1-16,1 3-55 0,2 7-8 15,-2 1-7-15,2 1 16 0,0 6-2 16,4 1-3-16,-1 3 0 0,3 4 1 0,2-8-1 15,5 0-1-15,-1-5-3 0,4-5-11 16,-4-7-4-16,6-3-5 0,0-11-1 16,4 2-3-16,1-8-2 0,3-6-3 15,0-2 0-15,7-11-1 0,-5-5 1 16,5-1-2-16,1-16-1 0,1-2-1 16,-3-6 0-16,1 0-1 0,-5 7-1 15,5-1 1-15,-3-2-1 0,-2 12 1 0,-3 3 0 16,1 1-1-16,-4 7 1 0,3 1 0 15,-5 1 1-15,-2 5-1 0,-4 3 1 16,-2 2 1-16,0 4 2 0,-2 4 1 16,-4 0 0-16,0 2 1 0,0 0 0 15,0 2-1-15,0 2 1 0,-2 2-2 16,0 0 0-16,-6 13 1 0,-29 64-1 16,27-54 0-16,0-3-1 0,-1 7-1 15,3 2-1-15,2 3-1 0,2-3-1 0,2 2-1 16,2 2 0-16,4-9 0 0,2-1 0 15,4-5-1-15,2-9-2 0,7-1-47 16,3-12-131-16,8-4-4 0,1-12 17 16,8-11-213-16</inkml:trace>
           <inkml:trace contextRef="#ctx0" brushRef="#br0" timeOffset="2016.3783">-769-3296 174 0,'-6'-6'170'0,"2"-5"-27"16,4 5-3-16,-2 0 6 0,0 4-56 0,0 0-13 15,0 0-1-15,0 2-22 0,0 0-23 16,0 2-6-16,0 0-11 0,0 4-6 15,-2 2-2-15,-4 25-2 0,-19 73 0 16,17-55-1-16,-4 6 0 0,-1 5-1 16,1-1-1-16,-2 6-1 0,2 1 2 15,-7-7-1-15,5 2 0 0,-2-2-1 16,-1-4 1-16,7 13-1 0,-4-9 0 16,3 6 1-16,7-5-1 0,0-3 0 0,2-10 0 15,8 0-1-15,-4-16 0 0,10-7-3 16,1-12-15-16,3-8-15 0,4-6-63 15,5-8-71-15,-1-8 42 0,5-11-121 16</inkml:trace>
           <inkml:trace contextRef="#ctx0" brushRef="#br0" timeOffset="2457.9769">-373-3407 410 0,'-12'9'108'0,"-7"1"13"16,5 6 16-16,0 0-78 0,-5 3 2 15,5-1 7-15,0 7-10 0,0 3-16 16,1 7-23-16,3 14 8 0,-2 6-7 16,0 6-7-16,0 3-7 0,-5 3-2 0,1 2-4 15,0 1 2-15,-5-5-1 0,3-2 1 16,0-1-1-16,1 1 0 0,5 0 0 15,4 5-1-15,-2-9 1 0,4-8-1 16,3-2 0-16,3-6-1 0,5-3 0 16,1-17 1-16,4-15-1 0,8-8 0 15,5-12-18-15,-1-13-27 0,0-5-57 16,3-11-62-16,-1 0 32 0,1-2-135 0</inkml:trace>
         </inkml:traceGroup>
@@ -3192,7 +3226,7 @@
               </emma:one-of>
             </emma:emma>
           </inkml:annotationXML>
-          <inkml:trace contextRef="#ctx0" brushRef="#br0" timeOffset="5733.3037">1373-2682 128 0,'-4'4'152'0,"0"0"-51"0,-1 0 18 15,3 2-47-15,0 0 62 0,0 0-61 16,0 0-3-16,2 3-1 0,0-1-10 16,2 2-21-16,0-2-8 0,2-2-6 15,1 0-7-15,1 0-5 0,4 1-7 16,12 3 1-16,62 18-2 0,-64-38 0 15,1-2-1-15,-1-2-1 0,-2-5 1 16,1-1-1-16,-7-3 0 0,0-1 0 0,-2 4 0 16,-1-1-1-16,-3-3 1 0,-2 5 0 15,-6 1 0-15,0 2 1 0,-4-1 0 16,2 5 0-16,-7 2 1 0,-1 2 0 16,-2 0 0-16,0 4-1 0,-5 4 0 15,-1 0 0-15,-5 8 0 0,3 0 2 16,-3 6 2-16,1 7 3 0,-1-1 2 15,1 6 3-15,2 5 4 0,1 2 2 0,1 1 2 16,1 3 1-16,5 0-5 0,4-3-3 16,4 3-2-16,4-4-4 0,0-1-4 15,8-5-4-15,2-1-4 0,4 3 2 16,7-3 0-16,-1-11 0 0,4-5-1 16,9-10-5-16,4-6-16 0,1-2 4 15,3-11-178-15,4-3 99 0,-2 1-116 16</inkml:trace>
+          <inkml:trace contextRef="#ctx0" brushRef="#br0" timeOffset="5733.3036">1373-2682 128 0,'-4'4'152'0,"0"0"-51"0,-1 0 18 15,3 2-47-15,0 0 62 0,0 0-61 16,0 0-3-16,2 3-1 0,0-1-10 16,2 2-21-16,0-2-8 0,2-2-6 15,1 0-7-15,1 0-5 0,4 1-7 16,12 3 1-16,62 18-2 0,-64-38 0 15,1-2-1-15,-1-2-1 0,-2-5 1 16,1-1-1-16,-7-3 0 0,0-1 0 0,-2 4 0 16,-1-1-1-16,-3-3 1 0,-2 5 0 15,-6 1 0-15,0 2 1 0,-4-1 0 16,2 5 0-16,-7 2 1 0,-1 2 0 16,-2 0 0-16,0 4-1 0,-5 4 0 15,-1 0 0-15,-5 8 0 0,3 0 2 16,-3 6 2-16,1 7 3 0,-1-1 2 15,1 6 3-15,2 5 4 0,1 2 2 0,1 1 2 16,1 3 1-16,5 0-5 0,4-3-3 16,4 3-2-16,4-4-4 0,0-1-4 15,8-5-4-15,2-1-4 0,4 3 2 16,7-3 0-16,-1-11 0 0,4-5-1 16,9-10-5-16,4-6-16 0,1-2 4 15,3-11-178-15,4-3 99 0,-2 1-116 16</inkml:trace>
           <inkml:trace contextRef="#ctx0" brushRef="#br0" timeOffset="4603.7805">639-3319 338 0,'-2'-6'125'16,"0"0"-9"-16,0 2 25 0,0 0-54 15,0 0-11-15,2 2 0 0,0 2-7 16,-2 2-18-16,0 2-8 0,0 2-6 15,-2 31-8-15,-15 79-5 0,11-57-6 16,-6 7-148-16,0 3 144 0,-1 2 144 0,-5 1 143 16,2-5-296-16,-3-8-1 0,-1 0-1 15,4-6 146-15,-3-4-148 0,5 2-148 16,2-8-155-16,-1-4 275 0,5-8-20 16,2-7-29-16,4-8-59 0,2-9-50 15,6-9 7-15,2-15-88 0</inkml:trace>
           <inkml:trace contextRef="#ctx0" brushRef="#br0" timeOffset="5168.2719">740-3461 335 0,'2'0'115'0,"-2"0"-44"0,3 2 37 16,-3-2-62-16,0 0-12 0,2 0 1 15,0 0 1-15,0 2 8 0,2 0-3 16,2 2 4-16,2 0 4 0,8 4 2 15,68 45-3-15,-58-37-4 0,3 3-8 16,0-3-7-16,1 4-6 0,3 1-6 0,-5 3-4 16,3 1-3-16,-7 5-4 0,-1 5-2 15,-5-2 0-15,-4 12 0 0,-5-3 0 16,-7-3 0-16,-6 2 1 0,-9-6-1 16,1-3 1-16,-10 5-1 0,-11-13 1 15,-4 7-1-15,-3-4-1 0,-3-3 1 16,-2-4-1-16,2 1 0 0,0-3-1 15,6-2 0-15,5-5 0 0,1-1 0 0,3-4 1 16,3 4-1-16,3-6 0 0,3-4-1 16,5-2 1-16,0 0 1 0,8 2 2 15,4 0-1-15,4-6 2 0,-2 6 2 16,0 0 4-16,2 0 0 0,2 0-2 16,2 2 0-16,4 2 0 0,15 10-1 15,60 48-3-15,-52-40-2 0,-2 1 0 16,-1 1 0-16,-1-4-2 0,-1 1 1 15,5 1-2-15,-7 1 1 0,-1-1-1 0,-5-4-2 16,-3-1-1-16,-3-1-75 0,-2-6-127 16,-6-2 90-16,0-10-148 0</inkml:trace>
           <inkml:trace contextRef="#ctx0" brushRef="#br0" timeOffset="6526.8128">2091-2617 337 0,'-11'-8'207'15,"-9"-6"-86"-15,-62-46 37 0,62 48-48 16,-9 2-13-16,5 2-16 0,-9 0-19 16,5 2 9-16,1 1-15 0,3 7-9 15,1 5-11-15,5 1-10 0,-2 4-9 0,3 6-5 16,-3 1-3-16,2 7 1 15,-1-1 1-15,3 3 1 0,2 1 0 0,1-5 2 16,5 1-2-16,6 1 0 0,2-9-3 16,2 1-2-16,2 0-3 0,4-1-1 15,3-3 0-15,1-2-1 0,2-8 2 16,5 0 0-16,5-6 0 0,2-4 1 16,1-6 1-16,10 0-1 0,1-9-1 15,5 3 0-15,-6-9-1 0,2-3 0 0,4-7-1 16,-3 0 0-16,-5-3 0 15,2-5 0-15,-5 0-1 0,5-2 0 0,-6-2 0 16,-1-6-1-16,-1-10 0 0,-3-1 0 16,-3-3 0-16,1 2 1 0,-3 1-1 15,1 3 0-15,-2 10 1 0,-1 6-1 16,-1 9 0-16,-1 3 1 0,-7 0-1 16,-2 9 1-16,0 7-1 0,-6 3 1 15,-2 4 0-15,0 8 0 0,-6 6 0 16,-2 4-1-16,6-6 1 0,-2 2-1 0,0 2 0 15,-3 2 0-15,-7 12 0 0,-53 70 0 16,44-55-1-16,1-1 1 0,0 9 0 16,-3 2 0-16,-1 10 0 0,-1 6 0 15,1 7 1-15,1-1 0 0,1 6-1 16,-5-6 0-16,9-1-1 0,-1-3 0 16,7-4 1-16,2-6-1 0,2-2-1 15,8-6 1-15,10-5-2 0,2-5 0 0,8-8-9 16,5-13-27-16,3-2-50 0,11-6-141 15,0-4 84-15,-1-8-168 0</inkml:trace>
@@ -3227,7 +3261,7 @@
               </emma:one-of>
             </emma:emma>
           </inkml:annotationXML>
-          <inkml:trace contextRef="#ctx0" brushRef="#br0" timeOffset="10123.8878">5933-2546 459 0,'2'-6'186'0,"-6"0"-49"15,0-4 49-15,2 8-71 0,0-2-13 16,0 0-5-16,-2 0-13 0,0 0-24 16,-1-1-4-16,-1 1-6 0,0 0-22 15,0 0-12-15,0 2-12 0,-2 2 10 16,0 0 7-16,-3 2-11 0,-3 4-12 15,-65 51 9-15,58-36-1 0,5 3-1 0,-2 3-2 16,1 3-1-16,3 5-1 16,-2 4 0-16,5-2 0 0,5 1-2 15,0-3 1-15,8 0 0 0,2-9 0 0,7 3-1 16,1-11 0-16,4-2 0 0,2-3 0 16,5-7-1-16,-3-6-11 0,5-2-14 15,-5-13-18-15,3 3-27 0,-1-4-26 16,0-4-136-16,1-5 58 0,-3-1-101 15</inkml:trace>
+          <inkml:trace contextRef="#ctx0" brushRef="#br0" timeOffset="10123.8877">5933-2546 459 0,'2'-6'186'0,"-6"0"-49"15,0-4 49-15,2 8-71 0,0-2-13 16,0 0-5-16,-2 0-13 0,0 0-24 16,-1-1-4-16,-1 1-6 0,0 0-22 15,0 0-12-15,0 2-12 0,-2 2 10 16,0 0 7-16,-3 2-11 0,-3 4-12 15,-65 51 9-15,58-36-1 0,5 3-1 0,-2 3-2 16,1 3-1-16,3 5-1 16,-2 4 0-16,5-2 0 0,5 1-2 15,0-3 1-15,8 0 0 0,2-9 0 0,7 3-1 16,1-11 0-16,4-2 0 0,2-3 0 16,5-7-1-16,-3-6-11 0,5-2-14 15,-5-13-18-15,3 3-27 0,-1-4-26 16,0-4-136-16,1-5 58 0,-3-1-101 15</inkml:trace>
         </inkml:traceGroup>
         <inkml:traceGroup>
           <inkml:annotationXML>
@@ -3254,7 +3288,7 @@
               </emma:one-of>
             </emma:emma>
           </inkml:annotationXML>
-          <inkml:trace contextRef="#ctx0" brushRef="#br0" timeOffset="10878.3673">6014-2472 512 0,'5'-8'164'0,"-3"-1"-62"0,0 3 54 16,0 2-93-16,-2 0-23 0,0 2-6 0,0 0-5 15,0 2-9-15,0 0-5 0,0 2-4 16,0 0-6-16,0 2 0 0,0 2-1 16,0 1 1-16,-2 5-1 0,0 4 1 15,0 64-2-15,-3-64 1 0,5 4-1 16,-4 1 1-16,4-5-2 0,0 0 0 15,2 1 0-15,0-1-1 0,-2-4 1 0,0-4-1 16,5 1 0-16,-5-3 0 16,4-2 0-16,-4-4 0 0,0 0-1 0,0 0 1 15,2 0-1-15,0 0 1 0,2 0-1 16,2-2 1-16,0 0-1 0,8 0 0 16,5-5 1-16,64-19 0 0,-62 12 0 15,-1 1-1-15,0 3 1 0,1 0 0 16,3-12 0-16,1 3-1 0,-3 1 1 15,5-5 0-15,-11 1 0 0,0 0 0 16,3 1 1-16,-7 5-1 0,-2-4 1 16,-6 1-1-16,-2 3 1 0,0 0 0 0,2-5 0 15,-4 5-1-15,0-1 1 0,-6 1 0 16,4 6 0-16,-2 0-1 0,6 0 1 16,-4 3-1-16,-2 3 1 0,2 2 1 15,2 0-27-15,0 0 29 16,0 2 0-16,-2 0 0 0,0 0 1 0,0 0 1 15,0 2-1-15,0 2 27 0,-2 0-27 16,0 3 3-16,-2 7 1 0,-3 6 1 16,-27 60 1-16,28-54 2 0,-1 1 2 0,-1 5 0 15,6 11-3-15,-8 6 0 0,0 4-2 16,-1 4-2-16,-1 3-1 0,2 1-1 16,-2-2-2-16,-9-4 7 0,7 2 1 15,-2 0 4-15,3-2 5 0,-1 0 2 16,-6 0 4-16,3 7 5 0,5 1-1 15,-4 2 0-15,1-2 0 0,1-2 0 0,0-3 2 16,-3-3-1-16,-1-17-5 0,-1-5-3 16,1-13-2-16,4-5-5 0,-3-11-4 15,1-4-5-15,4-8-3 0,2-7 0 16,-3-9-2-16,-1-5-2 0,-4-12 0 16,-3-1-38-16,-5-9-40 0,-9-4-39 15,-8-3-160-15,-8 1 72 0,-18 0-180 16</inkml:trace>
+          <inkml:trace contextRef="#ctx0" brushRef="#br0" timeOffset="10878.3672">6014-2472 512 0,'5'-8'164'0,"-3"-1"-62"0,0 3 54 16,0 2-93-16,-2 0-23 0,0 2-6 0,0 0-5 15,0 2-9-15,0 0-5 0,0 2-4 16,0 0-6-16,0 2 0 0,0 2-1 16,0 1 1-16,-2 5-1 0,0 4 1 15,0 64-2-15,-3-64 1 0,5 4-1 16,-4 1 1-16,4-5-2 0,0 0 0 15,2 1 0-15,0-1-1 0,-2-4 1 0,0-4-1 16,5 1 0-16,-5-3 0 16,4-2 0-16,-4-4 0 0,0 0-1 0,0 0 1 15,2 0-1-15,0 0 1 0,2 0-1 16,2-2 1-16,0 0-1 0,8 0 0 16,5-5 1-16,64-19 0 0,-62 12 0 15,-1 1-1-15,0 3 1 0,1 0 0 16,3-12 0-16,1 3-1 0,-3 1 1 15,5-5 0-15,-11 1 0 0,0 0 0 16,3 1 1-16,-7 5-1 0,-2-4 1 16,-6 1-1-16,-2 3 1 0,0 0 0 0,2-5 0 15,-4 5-1-15,0-1 1 0,-6 1 0 16,4 6 0-16,-2 0-1 0,6 0 1 16,-4 3-1-16,-2 3 1 0,2 2 1 15,2 0-27-15,0 0 29 16,0 2 0-16,-2 0 0 0,0 0 1 0,0 0 1 15,0 2-1-15,0 2 27 0,-2 0-27 16,0 3 3-16,-2 7 1 0,-3 6 1 16,-27 60 1-16,28-54 2 0,-1 1 2 0,-1 5 0 15,6 11-3-15,-8 6 0 0,0 4-2 16,-1 4-2-16,-1 3-1 0,2 1-1 16,-2-2-2-16,-9-4 7 0,7 2 1 15,-2 0 4-15,3-2 5 0,-1 0 2 16,-6 0 4-16,3 7 5 0,5 1-1 15,-4 2 0-15,1-2 0 0,1-2 0 0,0-3 2 16,-3-3-1-16,-1-17-5 0,-1-5-3 16,1-13-2-16,4-5-5 0,-3-11-4 15,1-4-5-15,4-8-3 0,2-7 0 16,-3-9-2-16,-1-5-2 0,-4-12 0 16,-3-1-38-16,-5-9-40 0,-9-4-39 15,-8-3-160-15,-8 1 72 0,-18 0-180 16</inkml:trace>
         </inkml:traceGroup>
       </inkml:traceGroup>
     </inkml:traceGroup>
@@ -12400,6 +12434,78 @@
 </p:sld>
 </file>
 
+<file path=ppt/slides/slide26.xml><?xml version="1.0" encoding="utf-8"?>
+<p:sld xmlns:a="http://schemas.openxmlformats.org/drawingml/2006/main" xmlns:r="http://schemas.openxmlformats.org/officeDocument/2006/relationships" xmlns:p="http://schemas.openxmlformats.org/presentationml/2006/main">
+  <p:cSld>
+    <p:spTree>
+      <p:nvGrpSpPr>
+        <p:cNvPr id="1" name=""/>
+        <p:cNvGrpSpPr/>
+        <p:nvPr/>
+      </p:nvGrpSpPr>
+      <p:grpSpPr>
+        <a:xfrm>
+          <a:off x="0" y="0"/>
+          <a:ext cx="0" cy="0"/>
+          <a:chOff x="0" y="0"/>
+          <a:chExt cx="0" cy="0"/>
+        </a:xfrm>
+      </p:grpSpPr>
+      <p:sp>
+        <p:nvSpPr>
+          <p:cNvPr id="4" name="标题 3"/>
+          <p:cNvSpPr>
+            <a:spLocks noGrp="1"/>
+          </p:cNvSpPr>
+          <p:nvPr>
+            <p:ph type="ctrTitle"/>
+          </p:nvPr>
+        </p:nvSpPr>
+        <p:spPr/>
+        <p:txBody>
+          <a:bodyPr/>
+          <a:lstStyle/>
+          <a:p>
+            <a:r>
+              <a:rPr lang="en-US" altLang="zh-CN" dirty="0" smtClean="0"/>
+              <a:t>Q&amp;A</a:t>
+            </a:r>
+            <a:endParaRPr lang="zh-CN" altLang="en-US" dirty="0"/>
+          </a:p>
+        </p:txBody>
+      </p:sp>
+      <p:sp>
+        <p:nvSpPr>
+          <p:cNvPr id="5" name="副标题 4"/>
+          <p:cNvSpPr>
+            <a:spLocks noGrp="1"/>
+          </p:cNvSpPr>
+          <p:nvPr>
+            <p:ph type="subTitle" idx="1"/>
+          </p:nvPr>
+        </p:nvSpPr>
+        <p:spPr/>
+        <p:txBody>
+          <a:bodyPr/>
+          <a:lstStyle/>
+          <a:p>
+            <a:endParaRPr lang="zh-CN" altLang="en-US"/>
+          </a:p>
+        </p:txBody>
+      </p:sp>
+    </p:spTree>
+    <p:extLst>
+      <p:ext uri="{BB962C8B-B14F-4D97-AF65-F5344CB8AC3E}">
+        <p14:creationId xmlns:p14="http://schemas.microsoft.com/office/powerpoint/2010/main" val="896638272"/>
+      </p:ext>
+    </p:extLst>
+  </p:cSld>
+  <p:clrMapOvr>
+    <a:masterClrMapping/>
+  </p:clrMapOvr>
+</p:sld>
+</file>
+
 <file path=ppt/slides/slide3.xml><?xml version="1.0" encoding="utf-8"?>
 <p:sld xmlns:a="http://schemas.openxmlformats.org/drawingml/2006/main" xmlns:r="http://schemas.openxmlformats.org/officeDocument/2006/relationships" xmlns:p="http://schemas.openxmlformats.org/presentationml/2006/main">
   <p:cSld>
@@ -12944,8 +13050,8 @@
           </a:prstGeom>
         </p:spPr>
       </p:pic>
-      <mc:AlternateContent xmlns:mc="http://schemas.openxmlformats.org/markup-compatibility/2006">
-        <mc:Choice xmlns:p14="http://schemas.microsoft.com/office/powerpoint/2010/main" Requires="p14">
+      <mc:AlternateContent xmlns:mc="http://schemas.openxmlformats.org/markup-compatibility/2006" xmlns:p14="http://schemas.microsoft.com/office/powerpoint/2010/main">
+        <mc:Choice Requires="p14">
           <p:contentPart p14:bwMode="auto" r:id="rId4">
             <p14:nvContentPartPr>
               <p14:cNvPr id="11" name="墨迹 10"/>
@@ -12958,7 +13064,7 @@
             </p14:xfrm>
           </p:contentPart>
         </mc:Choice>
-        <mc:Fallback>
+        <mc:Fallback xmlns="">
           <p:pic>
             <p:nvPicPr>
               <p:cNvPr id="11" name="墨迹 10"/>
@@ -12983,8 +13089,8 @@
           </p:pic>
         </mc:Fallback>
       </mc:AlternateContent>
-      <mc:AlternateContent xmlns:mc="http://schemas.openxmlformats.org/markup-compatibility/2006">
-        <mc:Choice xmlns:p14="http://schemas.microsoft.com/office/powerpoint/2010/main" Requires="p14">
+      <mc:AlternateContent xmlns:mc="http://schemas.openxmlformats.org/markup-compatibility/2006" xmlns:p14="http://schemas.microsoft.com/office/powerpoint/2010/main">
+        <mc:Choice Requires="p14">
           <p:contentPart p14:bwMode="auto" r:id="rId5">
             <p14:nvContentPartPr>
               <p14:cNvPr id="42" name="墨迹 41"/>
@@ -12997,7 +13103,7 @@
             </p14:xfrm>
           </p:contentPart>
         </mc:Choice>
-        <mc:Fallback>
+        <mc:Fallback xmlns="">
           <p:pic>
             <p:nvPicPr>
               <p:cNvPr id="42" name="墨迹 41"/>
@@ -13022,8 +13128,8 @@
           </p:pic>
         </mc:Fallback>
       </mc:AlternateContent>
-      <mc:AlternateContent xmlns:mc="http://schemas.openxmlformats.org/markup-compatibility/2006">
-        <mc:Choice xmlns:p14="http://schemas.microsoft.com/office/powerpoint/2010/main" Requires="p14">
+      <mc:AlternateContent xmlns:mc="http://schemas.openxmlformats.org/markup-compatibility/2006" xmlns:p14="http://schemas.microsoft.com/office/powerpoint/2010/main">
+        <mc:Choice Requires="p14">
           <p:contentPart p14:bwMode="auto" r:id="rId7">
             <p14:nvContentPartPr>
               <p14:cNvPr id="50" name="墨迹 49"/>
@@ -13036,7 +13142,7 @@
             </p14:xfrm>
           </p:contentPart>
         </mc:Choice>
-        <mc:Fallback>
+        <mc:Fallback xmlns="">
           <p:pic>
             <p:nvPicPr>
               <p:cNvPr id="50" name="墨迹 49"/>
